--- a/Documentation/Presentations/Presentation 11.pptx
+++ b/Documentation/Presentations/Presentation 11.pptx
@@ -9,11 +9,12 @@
     <p:sldId id="257" r:id="rId3"/>
     <p:sldId id="259" r:id="rId4"/>
     <p:sldId id="260" r:id="rId5"/>
-    <p:sldId id="261" r:id="rId6"/>
-    <p:sldId id="262" r:id="rId7"/>
-    <p:sldId id="264" r:id="rId8"/>
-    <p:sldId id="265" r:id="rId9"/>
-    <p:sldId id="266" r:id="rId10"/>
+    <p:sldId id="267" r:id="rId6"/>
+    <p:sldId id="261" r:id="rId7"/>
+    <p:sldId id="262" r:id="rId8"/>
+    <p:sldId id="264" r:id="rId9"/>
+    <p:sldId id="265" r:id="rId10"/>
+    <p:sldId id="266" r:id="rId11"/>
   </p:sldIdLst>
   <p:sldSz cx="12192000" cy="6858000"/>
   <p:notesSz cx="6858000" cy="9144000"/>
@@ -3400,6 +3401,109 @@
 </p:sld>
 </file>
 
+<file path=ppt/slides/slide10.xml><?xml version="1.0" encoding="utf-8"?>
+<p:sld xmlns:a="http://schemas.openxmlformats.org/drawingml/2006/main" xmlns:r="http://schemas.openxmlformats.org/officeDocument/2006/relationships" xmlns:p="http://schemas.openxmlformats.org/presentationml/2006/main">
+  <p:cSld>
+    <p:spTree>
+      <p:nvGrpSpPr>
+        <p:cNvPr id="1" name=""/>
+        <p:cNvGrpSpPr/>
+        <p:nvPr/>
+      </p:nvGrpSpPr>
+      <p:grpSpPr>
+        <a:xfrm>
+          <a:off x="0" y="0"/>
+          <a:ext cx="0" cy="0"/>
+          <a:chOff x="0" y="0"/>
+          <a:chExt cx="0" cy="0"/>
+        </a:xfrm>
+      </p:grpSpPr>
+      <p:sp>
+        <p:nvSpPr>
+          <p:cNvPr id="2" name="Title 1">
+            <a:extLst>
+              <a:ext uri="{FF2B5EF4-FFF2-40B4-BE49-F238E27FC236}">
+                <a16:creationId xmlns:a16="http://schemas.microsoft.com/office/drawing/2014/main" id="{DCBF6B41-44B8-4E2B-B690-9690798E3BF1}"/>
+              </a:ext>
+            </a:extLst>
+          </p:cNvPr>
+          <p:cNvSpPr>
+            <a:spLocks noGrp="1"/>
+          </p:cNvSpPr>
+          <p:nvPr>
+            <p:ph type="title"/>
+          </p:nvPr>
+        </p:nvSpPr>
+        <p:spPr/>
+        <p:txBody>
+          <a:bodyPr/>
+          <a:lstStyle/>
+          <a:p>
+            <a:r>
+              <a:rPr lang="en-US" dirty="0"/>
+              <a:t>Planning June 2022</a:t>
+            </a:r>
+          </a:p>
+        </p:txBody>
+      </p:sp>
+      <p:sp>
+        <p:nvSpPr>
+          <p:cNvPr id="3" name="Content Placeholder 2">
+            <a:extLst>
+              <a:ext uri="{FF2B5EF4-FFF2-40B4-BE49-F238E27FC236}">
+                <a16:creationId xmlns:a16="http://schemas.microsoft.com/office/drawing/2014/main" id="{795F3896-7D2A-4B06-BF43-13F3593D4F01}"/>
+              </a:ext>
+            </a:extLst>
+          </p:cNvPr>
+          <p:cNvSpPr>
+            <a:spLocks noGrp="1"/>
+          </p:cNvSpPr>
+          <p:nvPr>
+            <p:ph idx="1"/>
+          </p:nvPr>
+        </p:nvSpPr>
+        <p:spPr/>
+        <p:txBody>
+          <a:bodyPr>
+            <a:normAutofit/>
+          </a:bodyPr>
+          <a:lstStyle/>
+          <a:p>
+            <a:r>
+              <a:rPr lang="en-US" dirty="0"/>
+              <a:t>Paper writing</a:t>
+            </a:r>
+          </a:p>
+          <a:p>
+            <a:r>
+              <a:rPr lang="en-US" dirty="0"/>
+              <a:t>Debugging</a:t>
+            </a:r>
+          </a:p>
+          <a:p>
+            <a:r>
+              <a:rPr lang="en-US" dirty="0"/>
+              <a:t>Optimizations</a:t>
+            </a:r>
+          </a:p>
+          <a:p>
+            <a:endParaRPr lang="en-US" dirty="0"/>
+          </a:p>
+        </p:txBody>
+      </p:sp>
+    </p:spTree>
+    <p:extLst>
+      <p:ext uri="{BB962C8B-B14F-4D97-AF65-F5344CB8AC3E}">
+        <p14:creationId xmlns:p14="http://schemas.microsoft.com/office/powerpoint/2010/main" val="4256592199"/>
+      </p:ext>
+    </p:extLst>
+  </p:cSld>
+  <p:clrMapOvr>
+    <a:masterClrMapping/>
+  </p:clrMapOvr>
+</p:sld>
+</file>
+
 <file path=ppt/slides/slide2.xml><?xml version="1.0" encoding="utf-8"?>
 <p:sld xmlns:a="http://schemas.openxmlformats.org/drawingml/2006/main" xmlns:r="http://schemas.openxmlformats.org/officeDocument/2006/relationships" xmlns:p="http://schemas.openxmlformats.org/presentationml/2006/main">
   <p:cSld>
@@ -4175,7 +4279,7 @@
           <p:cNvPr id="2" name="Title 1">
             <a:extLst>
               <a:ext uri="{FF2B5EF4-FFF2-40B4-BE49-F238E27FC236}">
-                <a16:creationId xmlns:a16="http://schemas.microsoft.com/office/drawing/2014/main" id="{FD66BDA0-2EA2-41CC-B3A1-D83ACE7A90DF}"/>
+                <a16:creationId xmlns:a16="http://schemas.microsoft.com/office/drawing/2014/main" id="{8A35B225-3D74-4B6F-8F67-1D11D2C3CAF3}"/>
               </a:ext>
             </a:extLst>
           </p:cNvPr>
@@ -4191,10 +4295,7 @@
           <a:bodyPr/>
           <a:lstStyle/>
           <a:p>
-            <a:r>
-              <a:rPr lang="en-US" dirty="0"/>
-              <a:t>Data preparation</a:t>
-            </a:r>
+            <a:endParaRPr lang="en-US"/>
           </a:p>
         </p:txBody>
       </p:sp>
@@ -4203,7 +4304,7 @@
           <p:cNvPr id="3" name="Content Placeholder 2">
             <a:extLst>
               <a:ext uri="{FF2B5EF4-FFF2-40B4-BE49-F238E27FC236}">
-                <a16:creationId xmlns:a16="http://schemas.microsoft.com/office/drawing/2014/main" id="{8DA021D9-BA21-45E9-8063-09A3D1D88119}"/>
+                <a16:creationId xmlns:a16="http://schemas.microsoft.com/office/drawing/2014/main" id="{EF304660-E0D7-471D-99F7-FF7C3B1DBEF7}"/>
               </a:ext>
             </a:extLst>
           </p:cNvPr>
@@ -4219,144 +4320,14 @@
           <a:bodyPr/>
           <a:lstStyle/>
           <a:p>
-            <a:r>
-              <a:rPr lang="en-US" dirty="0"/>
-              <a:t>Low correlation between Pitch &amp; Roll</a:t>
-            </a:r>
-          </a:p>
-          <a:p>
-            <a:pPr lvl="1"/>
-            <a:r>
-              <a:rPr lang="en-US" dirty="0"/>
-              <a:t>Use both to predict both at the same time</a:t>
-            </a:r>
-          </a:p>
-          <a:p>
-            <a:pPr lvl="1"/>
-            <a:r>
-              <a:rPr lang="en-US" dirty="0"/>
-              <a:t>Use both to predict one </a:t>
-            </a:r>
-          </a:p>
-          <a:p>
-            <a:pPr lvl="2"/>
-            <a:r>
-              <a:rPr lang="en-US" dirty="0"/>
-              <a:t>One LSTM model for pitch, one for roll</a:t>
-            </a:r>
-          </a:p>
-          <a:p>
-            <a:pPr lvl="1"/>
-            <a:r>
-              <a:rPr lang="en-US" dirty="0"/>
-              <a:t>Only use pitch to predict pitch, roll to predict roll</a:t>
-            </a:r>
-          </a:p>
-          <a:p>
-            <a:pPr lvl="1"/>
-            <a:endParaRPr lang="en-US" dirty="0"/>
-          </a:p>
-        </p:txBody>
-      </p:sp>
-      <p:pic>
-        <p:nvPicPr>
-          <p:cNvPr id="5" name="Picture 4">
-            <a:extLst>
-              <a:ext uri="{FF2B5EF4-FFF2-40B4-BE49-F238E27FC236}">
-                <a16:creationId xmlns:a16="http://schemas.microsoft.com/office/drawing/2014/main" id="{8EEFA797-5A8C-4B64-9D96-F5CE7C80DBC6}"/>
-              </a:ext>
-            </a:extLst>
-          </p:cNvPr>
-          <p:cNvPicPr>
-            <a:picLocks noChangeAspect="1"/>
-          </p:cNvPicPr>
-          <p:nvPr/>
-        </p:nvPicPr>
-        <p:blipFill>
-          <a:blip r:embed="rId2"/>
-          <a:stretch>
-            <a:fillRect/>
-          </a:stretch>
-        </p:blipFill>
-        <p:spPr>
-          <a:xfrm>
-            <a:off x="8618764" y="4092575"/>
-            <a:ext cx="3314700" cy="2400300"/>
-          </a:xfrm>
-          <a:prstGeom prst="rect">
-            <a:avLst/>
-          </a:prstGeom>
-        </p:spPr>
-      </p:pic>
-      <p:pic>
-        <p:nvPicPr>
-          <p:cNvPr id="7" name="Picture 6">
-            <a:extLst>
-              <a:ext uri="{FF2B5EF4-FFF2-40B4-BE49-F238E27FC236}">
-                <a16:creationId xmlns:a16="http://schemas.microsoft.com/office/drawing/2014/main" id="{64BB7370-87F4-4A7D-87D4-C45F28D1F2A3}"/>
-              </a:ext>
-            </a:extLst>
-          </p:cNvPr>
-          <p:cNvPicPr>
-            <a:picLocks noChangeAspect="1"/>
-          </p:cNvPicPr>
-          <p:nvPr/>
-        </p:nvPicPr>
-        <p:blipFill>
-          <a:blip r:embed="rId3"/>
-          <a:stretch>
-            <a:fillRect/>
-          </a:stretch>
-        </p:blipFill>
-        <p:spPr>
-          <a:xfrm>
-            <a:off x="4714875" y="4111625"/>
-            <a:ext cx="3324225" cy="2381250"/>
-          </a:xfrm>
-          <a:prstGeom prst="rect">
-            <a:avLst/>
-          </a:prstGeom>
-        </p:spPr>
-      </p:pic>
-      <p:sp>
-        <p:nvSpPr>
-          <p:cNvPr id="8" name="TextBox 7">
-            <a:extLst>
-              <a:ext uri="{FF2B5EF4-FFF2-40B4-BE49-F238E27FC236}">
-                <a16:creationId xmlns:a16="http://schemas.microsoft.com/office/drawing/2014/main" id="{E8E16009-D05C-41F9-AC43-3361D640D255}"/>
-              </a:ext>
-            </a:extLst>
-          </p:cNvPr>
-          <p:cNvSpPr txBox="1"/>
-          <p:nvPr/>
-        </p:nvSpPr>
-        <p:spPr>
-          <a:xfrm>
-            <a:off x="4904014" y="6488668"/>
-            <a:ext cx="7029450" cy="369332"/>
-          </a:xfrm>
-          <a:prstGeom prst="rect">
-            <a:avLst/>
-          </a:prstGeom>
-          <a:noFill/>
-        </p:spPr>
-        <p:txBody>
-          <a:bodyPr wrap="square" rtlCol="0">
-            <a:spAutoFit/>
-          </a:bodyPr>
-          <a:lstStyle/>
-          <a:p>
-            <a:r>
-              <a:rPr lang="en-US" dirty="0"/>
-              <a:t>Episode 1				    All episodes</a:t>
-            </a:r>
+            <a:endParaRPr lang="en-US"/>
           </a:p>
         </p:txBody>
       </p:sp>
     </p:spTree>
     <p:extLst>
       <p:ext uri="{BB962C8B-B14F-4D97-AF65-F5344CB8AC3E}">
-        <p14:creationId xmlns:p14="http://schemas.microsoft.com/office/powerpoint/2010/main" val="1782543943"/>
+        <p14:creationId xmlns:p14="http://schemas.microsoft.com/office/powerpoint/2010/main" val="4152242018"/>
       </p:ext>
     </p:extLst>
   </p:cSld>
@@ -4388,7 +4359,7 @@
           <p:cNvPr id="2" name="Title 1">
             <a:extLst>
               <a:ext uri="{FF2B5EF4-FFF2-40B4-BE49-F238E27FC236}">
-                <a16:creationId xmlns:a16="http://schemas.microsoft.com/office/drawing/2014/main" id="{DCBF6B41-44B8-4E2B-B690-9690798E3BF1}"/>
+                <a16:creationId xmlns:a16="http://schemas.microsoft.com/office/drawing/2014/main" id="{FD66BDA0-2EA2-41CC-B3A1-D83ACE7A90DF}"/>
               </a:ext>
             </a:extLst>
           </p:cNvPr>
@@ -4406,7 +4377,7 @@
           <a:p>
             <a:r>
               <a:rPr lang="en-US" dirty="0"/>
-              <a:t>Planning March 2022</a:t>
+              <a:t>Data preparation</a:t>
             </a:r>
           </a:p>
         </p:txBody>
@@ -4416,7 +4387,7 @@
           <p:cNvPr id="3" name="Content Placeholder 2">
             <a:extLst>
               <a:ext uri="{FF2B5EF4-FFF2-40B4-BE49-F238E27FC236}">
-                <a16:creationId xmlns:a16="http://schemas.microsoft.com/office/drawing/2014/main" id="{795F3896-7D2A-4B06-BF43-13F3593D4F01}"/>
+                <a16:creationId xmlns:a16="http://schemas.microsoft.com/office/drawing/2014/main" id="{8DA021D9-BA21-45E9-8063-09A3D1D88119}"/>
               </a:ext>
             </a:extLst>
           </p:cNvPr>
@@ -4429,98 +4400,139 @@
         </p:nvSpPr>
         <p:spPr/>
         <p:txBody>
-          <a:bodyPr>
-            <a:normAutofit fontScale="92500" lnSpcReduction="10000"/>
+          <a:bodyPr/>
+          <a:lstStyle/>
+          <a:p>
+            <a:r>
+              <a:rPr lang="en-US" dirty="0"/>
+              <a:t>Low correlation between Pitch &amp; Roll</a:t>
+            </a:r>
+          </a:p>
+          <a:p>
+            <a:pPr lvl="1"/>
+            <a:r>
+              <a:rPr lang="en-US" dirty="0"/>
+              <a:t>Use both to predict both at the same time</a:t>
+            </a:r>
+          </a:p>
+          <a:p>
+            <a:pPr lvl="1"/>
+            <a:r>
+              <a:rPr lang="en-US" dirty="0"/>
+              <a:t>Use both to predict one </a:t>
+            </a:r>
+          </a:p>
+          <a:p>
+            <a:pPr lvl="2"/>
+            <a:r>
+              <a:rPr lang="en-US" dirty="0"/>
+              <a:t>One LSTM model for pitch, one for roll</a:t>
+            </a:r>
+          </a:p>
+          <a:p>
+            <a:pPr lvl="1"/>
+            <a:r>
+              <a:rPr lang="en-US" dirty="0"/>
+              <a:t>Only use pitch to predict pitch, roll to predict roll</a:t>
+            </a:r>
+          </a:p>
+          <a:p>
+            <a:pPr lvl="1"/>
+            <a:endParaRPr lang="en-US" dirty="0"/>
+          </a:p>
+        </p:txBody>
+      </p:sp>
+      <p:pic>
+        <p:nvPicPr>
+          <p:cNvPr id="5" name="Picture 4">
+            <a:extLst>
+              <a:ext uri="{FF2B5EF4-FFF2-40B4-BE49-F238E27FC236}">
+                <a16:creationId xmlns:a16="http://schemas.microsoft.com/office/drawing/2014/main" id="{8EEFA797-5A8C-4B64-9D96-F5CE7C80DBC6}"/>
+              </a:ext>
+            </a:extLst>
+          </p:cNvPr>
+          <p:cNvPicPr>
+            <a:picLocks noChangeAspect="1"/>
+          </p:cNvPicPr>
+          <p:nvPr/>
+        </p:nvPicPr>
+        <p:blipFill>
+          <a:blip r:embed="rId2"/>
+          <a:stretch>
+            <a:fillRect/>
+          </a:stretch>
+        </p:blipFill>
+        <p:spPr>
+          <a:xfrm>
+            <a:off x="8618764" y="4092575"/>
+            <a:ext cx="3314700" cy="2400300"/>
+          </a:xfrm>
+          <a:prstGeom prst="rect">
+            <a:avLst/>
+          </a:prstGeom>
+        </p:spPr>
+      </p:pic>
+      <p:pic>
+        <p:nvPicPr>
+          <p:cNvPr id="7" name="Picture 6">
+            <a:extLst>
+              <a:ext uri="{FF2B5EF4-FFF2-40B4-BE49-F238E27FC236}">
+                <a16:creationId xmlns:a16="http://schemas.microsoft.com/office/drawing/2014/main" id="{64BB7370-87F4-4A7D-87D4-C45F28D1F2A3}"/>
+              </a:ext>
+            </a:extLst>
+          </p:cNvPr>
+          <p:cNvPicPr>
+            <a:picLocks noChangeAspect="1"/>
+          </p:cNvPicPr>
+          <p:nvPr/>
+        </p:nvPicPr>
+        <p:blipFill>
+          <a:blip r:embed="rId3"/>
+          <a:stretch>
+            <a:fillRect/>
+          </a:stretch>
+        </p:blipFill>
+        <p:spPr>
+          <a:xfrm>
+            <a:off x="4714875" y="4111625"/>
+            <a:ext cx="3324225" cy="2381250"/>
+          </a:xfrm>
+          <a:prstGeom prst="rect">
+            <a:avLst/>
+          </a:prstGeom>
+        </p:spPr>
+      </p:pic>
+      <p:sp>
+        <p:nvSpPr>
+          <p:cNvPr id="8" name="TextBox 7">
+            <a:extLst>
+              <a:ext uri="{FF2B5EF4-FFF2-40B4-BE49-F238E27FC236}">
+                <a16:creationId xmlns:a16="http://schemas.microsoft.com/office/drawing/2014/main" id="{E8E16009-D05C-41F9-AC43-3361D640D255}"/>
+              </a:ext>
+            </a:extLst>
+          </p:cNvPr>
+          <p:cNvSpPr txBox="1"/>
+          <p:nvPr/>
+        </p:nvSpPr>
+        <p:spPr>
+          <a:xfrm>
+            <a:off x="4904014" y="6488668"/>
+            <a:ext cx="7029450" cy="369332"/>
+          </a:xfrm>
+          <a:prstGeom prst="rect">
+            <a:avLst/>
+          </a:prstGeom>
+          <a:noFill/>
+        </p:spPr>
+        <p:txBody>
+          <a:bodyPr wrap="square" rtlCol="0">
+            <a:spAutoFit/>
           </a:bodyPr>
           <a:lstStyle/>
           <a:p>
             <a:r>
               <a:rPr lang="en-US" dirty="0"/>
-              <a:t>14/03-20/03</a:t>
-            </a:r>
-          </a:p>
-          <a:p>
-            <a:pPr lvl="1"/>
-            <a:r>
-              <a:rPr lang="en-US" dirty="0"/>
-              <a:t>Continue Udemy course </a:t>
-            </a:r>
-          </a:p>
-          <a:p>
-            <a:pPr lvl="1"/>
-            <a:r>
-              <a:rPr lang="en-US" dirty="0"/>
-              <a:t>Debug, train, test and evaluate LSTM PR model</a:t>
-            </a:r>
-          </a:p>
-          <a:p>
-            <a:r>
-              <a:rPr lang="en-US" dirty="0"/>
-              <a:t>21/03-27/03</a:t>
-            </a:r>
-          </a:p>
-          <a:p>
-            <a:pPr lvl="1"/>
-            <a:r>
-              <a:rPr lang="en-US" dirty="0"/>
-              <a:t>Continue Udemy course</a:t>
-            </a:r>
-          </a:p>
-          <a:p>
-            <a:pPr lvl="1"/>
-            <a:r>
-              <a:rPr lang="en-US" dirty="0"/>
-              <a:t>Create simple CNN model for images</a:t>
-            </a:r>
-          </a:p>
-          <a:p>
-            <a:r>
-              <a:rPr lang="en-US" dirty="0"/>
-              <a:t>28/03-03/04</a:t>
-            </a:r>
-          </a:p>
-          <a:p>
-            <a:pPr lvl="1"/>
-            <a:r>
-              <a:rPr lang="en-US" dirty="0"/>
-              <a:t>Train, test and evaluate CNN model</a:t>
-            </a:r>
-          </a:p>
-          <a:p>
-            <a:pPr lvl="2"/>
-            <a:r>
-              <a:rPr lang="en-US" dirty="0"/>
-              <a:t>Combine with PR input</a:t>
-            </a:r>
-          </a:p>
-          <a:p>
-            <a:pPr lvl="2"/>
-            <a:r>
-              <a:rPr lang="en-US" dirty="0"/>
-              <a:t>Hybrid with LSTM</a:t>
-            </a:r>
-          </a:p>
-          <a:p>
-            <a:pPr lvl="2"/>
-            <a:r>
-              <a:rPr lang="en-US"/>
-              <a:t>Encoder-Decoder</a:t>
-            </a:r>
-            <a:endParaRPr lang="en-US" dirty="0"/>
-          </a:p>
-          <a:p>
-            <a:pPr lvl="1"/>
-            <a:r>
-              <a:rPr lang="en-US" dirty="0"/>
-              <a:t>Recreate </a:t>
-            </a:r>
-            <a:r>
-              <a:rPr lang="en-US" dirty="0" err="1"/>
-              <a:t>Nazar’s</a:t>
-            </a:r>
-            <a:r>
-              <a:rPr lang="en-US" dirty="0"/>
-              <a:t> best models if possible</a:t>
+              <a:t>Episode 1				    All episodes</a:t>
             </a:r>
           </a:p>
         </p:txBody>
@@ -4528,7 +4540,7 @@
     </p:spTree>
     <p:extLst>
       <p:ext uri="{BB962C8B-B14F-4D97-AF65-F5344CB8AC3E}">
-        <p14:creationId xmlns:p14="http://schemas.microsoft.com/office/powerpoint/2010/main" val="244852955"/>
+        <p14:creationId xmlns:p14="http://schemas.microsoft.com/office/powerpoint/2010/main" val="1782543943"/>
       </p:ext>
     </p:extLst>
   </p:cSld>
@@ -4578,7 +4590,7 @@
           <a:p>
             <a:r>
               <a:rPr lang="en-US" dirty="0"/>
-              <a:t>Planning April 2022</a:t>
+              <a:t>Planning March 2022</a:t>
             </a:r>
           </a:p>
         </p:txBody>
@@ -4599,21 +4611,84 @@
             <p:ph idx="1"/>
           </p:nvPr>
         </p:nvSpPr>
-        <p:spPr>
-          <a:xfrm>
-            <a:off x="838200" y="1825625"/>
-            <a:ext cx="10515600" cy="4836432"/>
-          </a:xfrm>
-        </p:spPr>
+        <p:spPr/>
         <p:txBody>
           <a:bodyPr>
-            <a:normAutofit fontScale="92500" lnSpcReduction="20000"/>
+            <a:normAutofit fontScale="92500" lnSpcReduction="10000"/>
           </a:bodyPr>
           <a:lstStyle/>
           <a:p>
             <a:r>
               <a:rPr lang="en-US" dirty="0"/>
-              <a:t>04/04-10/04</a:t>
+              <a:t>14/03-20/03</a:t>
+            </a:r>
+          </a:p>
+          <a:p>
+            <a:pPr lvl="1"/>
+            <a:r>
+              <a:rPr lang="en-US" dirty="0"/>
+              <a:t>Continue Udemy course </a:t>
+            </a:r>
+          </a:p>
+          <a:p>
+            <a:pPr lvl="1"/>
+            <a:r>
+              <a:rPr lang="en-US" dirty="0"/>
+              <a:t>Debug, train, test and evaluate LSTM PR model</a:t>
+            </a:r>
+          </a:p>
+          <a:p>
+            <a:r>
+              <a:rPr lang="en-US" dirty="0"/>
+              <a:t>21/03-27/03</a:t>
+            </a:r>
+          </a:p>
+          <a:p>
+            <a:pPr lvl="1"/>
+            <a:r>
+              <a:rPr lang="en-US" dirty="0"/>
+              <a:t>Continue Udemy course</a:t>
+            </a:r>
+          </a:p>
+          <a:p>
+            <a:pPr lvl="1"/>
+            <a:r>
+              <a:rPr lang="en-US" dirty="0"/>
+              <a:t>Create simple CNN model for images</a:t>
+            </a:r>
+          </a:p>
+          <a:p>
+            <a:r>
+              <a:rPr lang="en-US" dirty="0"/>
+              <a:t>28/03-03/04</a:t>
+            </a:r>
+          </a:p>
+          <a:p>
+            <a:pPr lvl="1"/>
+            <a:r>
+              <a:rPr lang="en-US" dirty="0"/>
+              <a:t>Train, test and evaluate CNN model</a:t>
+            </a:r>
+          </a:p>
+          <a:p>
+            <a:pPr lvl="2"/>
+            <a:r>
+              <a:rPr lang="en-US" dirty="0"/>
+              <a:t>Combine with PR input</a:t>
+            </a:r>
+          </a:p>
+          <a:p>
+            <a:pPr lvl="2"/>
+            <a:r>
+              <a:rPr lang="en-US" dirty="0"/>
+              <a:t>Hybrid with LSTM</a:t>
+            </a:r>
+          </a:p>
+          <a:p>
+            <a:pPr lvl="2"/>
+            <a:r>
+              <a:rPr lang="en-US" dirty="0"/>
+              <a:t>Encoder-Decoder</a:t>
             </a:r>
           </a:p>
           <a:p>
@@ -4628,114 +4703,15 @@
             </a:r>
             <a:r>
               <a:rPr lang="en-US" dirty="0"/>
-              <a:t> best models</a:t>
-            </a:r>
-          </a:p>
-          <a:p>
-            <a:pPr lvl="1"/>
-            <a:r>
-              <a:rPr lang="en-US" dirty="0"/>
-              <a:t>Train, test and evaluate with simulated (and real if available)</a:t>
-            </a:r>
-          </a:p>
-          <a:p>
-            <a:r>
-              <a:rPr lang="en-US" dirty="0"/>
-              <a:t>11/04-17/04</a:t>
-            </a:r>
-          </a:p>
-          <a:p>
-            <a:pPr lvl="1"/>
-            <a:r>
-              <a:rPr lang="en-US" dirty="0"/>
-              <a:t>Debugging</a:t>
-            </a:r>
-          </a:p>
-          <a:p>
-            <a:pPr lvl="1"/>
-            <a:r>
-              <a:rPr lang="en-US" dirty="0"/>
-              <a:t>Optimizing</a:t>
-            </a:r>
-          </a:p>
-          <a:p>
-            <a:pPr lvl="1"/>
-            <a:r>
-              <a:rPr lang="en-US" dirty="0"/>
-              <a:t>Buffer for problems/delays occurred in previous weeks</a:t>
-            </a:r>
-          </a:p>
-          <a:p>
-            <a:r>
-              <a:rPr lang="en-US" dirty="0"/>
-              <a:t>18/04-24/04</a:t>
-            </a:r>
-          </a:p>
-          <a:p>
-            <a:pPr lvl="1"/>
-            <a:r>
-              <a:rPr lang="en-US" dirty="0"/>
-              <a:t>Compare results simulation-real vs. criteria</a:t>
-            </a:r>
-          </a:p>
-          <a:p>
-            <a:pPr lvl="2"/>
-            <a:r>
-              <a:rPr lang="en-US" dirty="0"/>
-              <a:t>Create new model if necessary:</a:t>
-            </a:r>
-          </a:p>
-          <a:p>
-            <a:pPr lvl="3"/>
-            <a:r>
-              <a:rPr lang="en-US" dirty="0"/>
-              <a:t>Transformer model</a:t>
-            </a:r>
-          </a:p>
-          <a:p>
-            <a:r>
-              <a:rPr lang="en-US" dirty="0"/>
-              <a:t>25/04-01/05</a:t>
-            </a:r>
-          </a:p>
-          <a:p>
-            <a:pPr lvl="1"/>
-            <a:r>
-              <a:rPr lang="en-US" dirty="0"/>
-              <a:t>Continue new model</a:t>
-            </a:r>
-          </a:p>
-          <a:p>
-            <a:pPr lvl="1"/>
-            <a:r>
-              <a:rPr lang="en-US" dirty="0"/>
-              <a:t>Optimize old model</a:t>
-            </a:r>
-          </a:p>
-          <a:p>
-            <a:pPr lvl="1"/>
-            <a:r>
-              <a:rPr lang="en-US" dirty="0"/>
-              <a:t>Extensive testing</a:t>
-            </a:r>
-          </a:p>
-          <a:p>
-            <a:pPr lvl="1"/>
-            <a:endParaRPr lang="en-US" dirty="0"/>
-          </a:p>
-          <a:p>
-            <a:pPr lvl="1"/>
-            <a:endParaRPr lang="en-US" dirty="0"/>
-          </a:p>
-          <a:p>
-            <a:endParaRPr lang="en-US" dirty="0"/>
+              <a:t> best models if possible</a:t>
+            </a:r>
           </a:p>
         </p:txBody>
       </p:sp>
     </p:spTree>
     <p:extLst>
       <p:ext uri="{BB962C8B-B14F-4D97-AF65-F5344CB8AC3E}">
-        <p14:creationId xmlns:p14="http://schemas.microsoft.com/office/powerpoint/2010/main" val="3266725649"/>
+        <p14:creationId xmlns:p14="http://schemas.microsoft.com/office/powerpoint/2010/main" val="244852955"/>
       </p:ext>
     </p:extLst>
   </p:cSld>
@@ -4785,7 +4761,7 @@
           <a:p>
             <a:r>
               <a:rPr lang="en-US" dirty="0"/>
-              <a:t>Planning May 2022</a:t>
+              <a:t>Planning April 2022</a:t>
             </a:r>
           </a:p>
         </p:txBody>
@@ -4806,24 +4782,143 @@
             <p:ph idx="1"/>
           </p:nvPr>
         </p:nvSpPr>
-        <p:spPr/>
+        <p:spPr>
+          <a:xfrm>
+            <a:off x="838200" y="1825625"/>
+            <a:ext cx="10515600" cy="4836432"/>
+          </a:xfrm>
+        </p:spPr>
         <p:txBody>
           <a:bodyPr>
-            <a:normAutofit/>
+            <a:normAutofit fontScale="92500" lnSpcReduction="20000"/>
           </a:bodyPr>
           <a:lstStyle/>
           <a:p>
             <a:r>
               <a:rPr lang="en-US" dirty="0"/>
-              <a:t>Depends on progression</a:t>
-            </a:r>
+              <a:t>04/04-10/04</a:t>
+            </a:r>
+          </a:p>
+          <a:p>
+            <a:pPr lvl="1"/>
+            <a:r>
+              <a:rPr lang="en-US" dirty="0"/>
+              <a:t>Recreate </a:t>
+            </a:r>
+            <a:r>
+              <a:rPr lang="en-US" dirty="0" err="1"/>
+              <a:t>Nazar’s</a:t>
+            </a:r>
+            <a:r>
+              <a:rPr lang="en-US" dirty="0"/>
+              <a:t> best models</a:t>
+            </a:r>
+          </a:p>
+          <a:p>
+            <a:pPr lvl="1"/>
+            <a:r>
+              <a:rPr lang="en-US" dirty="0"/>
+              <a:t>Train, test and evaluate with simulated (and real if available)</a:t>
+            </a:r>
+          </a:p>
+          <a:p>
+            <a:r>
+              <a:rPr lang="en-US" dirty="0"/>
+              <a:t>11/04-17/04</a:t>
+            </a:r>
+          </a:p>
+          <a:p>
+            <a:pPr lvl="1"/>
+            <a:r>
+              <a:rPr lang="en-US" dirty="0"/>
+              <a:t>Debugging</a:t>
+            </a:r>
+          </a:p>
+          <a:p>
+            <a:pPr lvl="1"/>
+            <a:r>
+              <a:rPr lang="en-US" dirty="0"/>
+              <a:t>Optimizing</a:t>
+            </a:r>
+          </a:p>
+          <a:p>
+            <a:pPr lvl="1"/>
+            <a:r>
+              <a:rPr lang="en-US" dirty="0"/>
+              <a:t>Buffer for problems/delays occurred in previous weeks</a:t>
+            </a:r>
+          </a:p>
+          <a:p>
+            <a:r>
+              <a:rPr lang="en-US" dirty="0"/>
+              <a:t>18/04-24/04</a:t>
+            </a:r>
+          </a:p>
+          <a:p>
+            <a:pPr lvl="1"/>
+            <a:r>
+              <a:rPr lang="en-US" dirty="0"/>
+              <a:t>Compare results simulation-real vs. criteria</a:t>
+            </a:r>
+          </a:p>
+          <a:p>
+            <a:pPr lvl="2"/>
+            <a:r>
+              <a:rPr lang="en-US" dirty="0"/>
+              <a:t>Create new model if necessary:</a:t>
+            </a:r>
+          </a:p>
+          <a:p>
+            <a:pPr lvl="3"/>
+            <a:r>
+              <a:rPr lang="en-US" dirty="0"/>
+              <a:t>Transformer model</a:t>
+            </a:r>
+          </a:p>
+          <a:p>
+            <a:r>
+              <a:rPr lang="en-US" dirty="0"/>
+              <a:t>25/04-01/05</a:t>
+            </a:r>
+          </a:p>
+          <a:p>
+            <a:pPr lvl="1"/>
+            <a:r>
+              <a:rPr lang="en-US" dirty="0"/>
+              <a:t>Continue new model</a:t>
+            </a:r>
+          </a:p>
+          <a:p>
+            <a:pPr lvl="1"/>
+            <a:r>
+              <a:rPr lang="en-US" dirty="0"/>
+              <a:t>Optimize old model</a:t>
+            </a:r>
+          </a:p>
+          <a:p>
+            <a:pPr lvl="1"/>
+            <a:r>
+              <a:rPr lang="en-US" dirty="0"/>
+              <a:t>Extensive testing</a:t>
+            </a:r>
+          </a:p>
+          <a:p>
+            <a:pPr lvl="1"/>
+            <a:endParaRPr lang="en-US" dirty="0"/>
+          </a:p>
+          <a:p>
+            <a:pPr lvl="1"/>
+            <a:endParaRPr lang="en-US" dirty="0"/>
+          </a:p>
+          <a:p>
+            <a:endParaRPr lang="en-US" dirty="0"/>
           </a:p>
         </p:txBody>
       </p:sp>
     </p:spTree>
     <p:extLst>
       <p:ext uri="{BB962C8B-B14F-4D97-AF65-F5344CB8AC3E}">
-        <p14:creationId xmlns:p14="http://schemas.microsoft.com/office/powerpoint/2010/main" val="4003207455"/>
+        <p14:creationId xmlns:p14="http://schemas.microsoft.com/office/powerpoint/2010/main" val="3266725649"/>
       </p:ext>
     </p:extLst>
   </p:cSld>
@@ -4873,7 +4968,7 @@
           <a:p>
             <a:r>
               <a:rPr lang="en-US" dirty="0"/>
-              <a:t>Planning June 2022</a:t>
+              <a:t>Planning May 2022</a:t>
             </a:r>
           </a:p>
         </p:txBody>
@@ -4903,30 +4998,15 @@
           <a:p>
             <a:r>
               <a:rPr lang="en-US" dirty="0"/>
-              <a:t>Paper writing</a:t>
-            </a:r>
-          </a:p>
-          <a:p>
-            <a:r>
-              <a:rPr lang="en-US" dirty="0"/>
-              <a:t>Debugging</a:t>
-            </a:r>
-          </a:p>
-          <a:p>
-            <a:r>
-              <a:rPr lang="en-US" dirty="0"/>
-              <a:t>Optimizations</a:t>
-            </a:r>
-          </a:p>
-          <a:p>
-            <a:endParaRPr lang="en-US" dirty="0"/>
+              <a:t>Depends on progression</a:t>
+            </a:r>
           </a:p>
         </p:txBody>
       </p:sp>
     </p:spTree>
     <p:extLst>
       <p:ext uri="{BB962C8B-B14F-4D97-AF65-F5344CB8AC3E}">
-        <p14:creationId xmlns:p14="http://schemas.microsoft.com/office/powerpoint/2010/main" val="4256592199"/>
+        <p14:creationId xmlns:p14="http://schemas.microsoft.com/office/powerpoint/2010/main" val="4003207455"/>
       </p:ext>
     </p:extLst>
   </p:cSld>
